--- a/document/thuyết trình.pptx
+++ b/document/thuyết trình.pptx
@@ -6401,13 +6401,13 @@
   <p:clrMapOvr>
     <a:masterClrMapping/>
   </p:clrMapOvr>
-  <mc:AlternateContent xmlns:mc="http://schemas.openxmlformats.org/markup-compatibility/2006">
-    <mc:Choice xmlns:p159="http://schemas.microsoft.com/office/powerpoint/2015/09/main" Requires="p159">
+  <mc:AlternateContent xmlns:mc="http://schemas.openxmlformats.org/markup-compatibility/2006" xmlns:p159="http://schemas.microsoft.com/office/powerpoint/2015/09/main">
+    <mc:Choice Requires="p159">
       <p:transition xmlns:p14="http://schemas.microsoft.com/office/powerpoint/2010/main" spd="slow" p14:dur="2000">
         <p159:morph option="byObject"/>
       </p:transition>
     </mc:Choice>
-    <mc:Fallback>
+    <mc:Fallback xmlns="">
       <p:transition spd="slow">
         <p:fade/>
       </p:transition>
@@ -6536,13 +6536,13 @@
   <p:clrMapOvr>
     <a:masterClrMapping/>
   </p:clrMapOvr>
-  <mc:AlternateContent xmlns:mc="http://schemas.openxmlformats.org/markup-compatibility/2006">
-    <mc:Choice xmlns:p159="http://schemas.microsoft.com/office/powerpoint/2015/09/main" Requires="p159">
+  <mc:AlternateContent xmlns:mc="http://schemas.openxmlformats.org/markup-compatibility/2006" xmlns:p159="http://schemas.microsoft.com/office/powerpoint/2015/09/main">
+    <mc:Choice Requires="p159">
       <p:transition xmlns:p14="http://schemas.microsoft.com/office/powerpoint/2010/main" spd="slow" p14:dur="2000">
         <p159:morph option="byObject"/>
       </p:transition>
     </mc:Choice>
-    <mc:Fallback>
+    <mc:Fallback xmlns="">
       <p:transition spd="slow">
         <p:fade/>
       </p:transition>
@@ -7697,13 +7697,13 @@
   <p:clrMapOvr>
     <a:masterClrMapping/>
   </p:clrMapOvr>
-  <mc:AlternateContent xmlns:mc="http://schemas.openxmlformats.org/markup-compatibility/2006">
-    <mc:Choice xmlns:p159="http://schemas.microsoft.com/office/powerpoint/2015/09/main" Requires="p159">
+  <mc:AlternateContent xmlns:mc="http://schemas.openxmlformats.org/markup-compatibility/2006" xmlns:p159="http://schemas.microsoft.com/office/powerpoint/2015/09/main">
+    <mc:Choice Requires="p159">
       <p:transition xmlns:p14="http://schemas.microsoft.com/office/powerpoint/2010/main" spd="slow" p14:dur="2000">
         <p159:morph option="byObject"/>
       </p:transition>
     </mc:Choice>
-    <mc:Fallback>
+    <mc:Fallback xmlns="">
       <p:transition spd="slow">
         <p:fade/>
       </p:transition>
@@ -7816,13 +7816,13 @@
   <p:clrMapOvr>
     <a:masterClrMapping/>
   </p:clrMapOvr>
-  <mc:AlternateContent xmlns:mc="http://schemas.openxmlformats.org/markup-compatibility/2006">
-    <mc:Choice xmlns:p159="http://schemas.microsoft.com/office/powerpoint/2015/09/main" Requires="p159">
+  <mc:AlternateContent xmlns:mc="http://schemas.openxmlformats.org/markup-compatibility/2006" xmlns:p159="http://schemas.microsoft.com/office/powerpoint/2015/09/main">
+    <mc:Choice Requires="p159">
       <p:transition xmlns:p14="http://schemas.microsoft.com/office/powerpoint/2010/main" spd="slow" p14:dur="2000">
         <p159:morph option="byObject"/>
       </p:transition>
     </mc:Choice>
-    <mc:Fallback>
+    <mc:Fallback xmlns="">
       <p:transition spd="slow">
         <p:fade/>
       </p:transition>
@@ -8138,127 +8138,30 @@
           </a:p>
         </p:txBody>
       </p:sp>
-      <p:grpSp>
-        <p:nvGrpSpPr>
-          <p:cNvPr id="7" name="Group 6"/>
-          <p:cNvGrpSpPr/>
+      <p:sp>
+        <p:nvSpPr>
+          <p:cNvPr id="30" name="TextBox 29"/>
+          <p:cNvSpPr txBox="1"/>
           <p:nvPr/>
-        </p:nvGrpSpPr>
-        <p:grpSpPr>
-          <a:xfrm>
-            <a:off x="3851840" y="1356248"/>
-            <a:ext cx="4392568" cy="546224"/>
-            <a:chOff x="3851840" y="1356248"/>
-            <a:chExt cx="4392568" cy="546224"/>
-          </a:xfrm>
-        </p:grpSpPr>
-        <p:sp>
-          <p:nvSpPr>
-            <p:cNvPr id="30" name="TextBox 29"/>
-            <p:cNvSpPr txBox="1"/>
-            <p:nvPr/>
-          </p:nvSpPr>
-          <p:spPr>
-            <a:xfrm>
-              <a:off x="3851840" y="1356248"/>
-              <a:ext cx="4392567" cy="307777"/>
-            </a:xfrm>
-            <a:prstGeom prst="rect">
-              <a:avLst/>
-            </a:prstGeom>
-            <a:noFill/>
-          </p:spPr>
-          <p:txBody>
-            <a:bodyPr wrap="square" rtlCol="0">
-              <a:spAutoFit/>
-            </a:bodyPr>
-            <a:lstStyle/>
-            <a:p>
-              <a:r>
-                <a:rPr lang="en-US" altLang="ko-KR" sz="1400" b="1" dirty="0" err="1">
-                  <a:solidFill>
-                    <a:schemeClr val="tx1">
-                      <a:lumMod val="75000"/>
-                      <a:lumOff val="25000"/>
-                    </a:schemeClr>
-                  </a:solidFill>
-                  <a:cs typeface="Arial" pitchFamily="34" charset="0"/>
-                </a:rPr>
-                <a:t>Công</a:t>
-              </a:r>
-              <a:r>
-                <a:rPr lang="en-US" altLang="ko-KR" sz="1400" b="1" dirty="0">
-                  <a:solidFill>
-                    <a:schemeClr val="tx1">
-                      <a:lumMod val="75000"/>
-                      <a:lumOff val="25000"/>
-                    </a:schemeClr>
-                  </a:solidFill>
-                  <a:cs typeface="Arial" pitchFamily="34" charset="0"/>
-                </a:rPr>
-                <a:t> </a:t>
-              </a:r>
-              <a:r>
-                <a:rPr lang="en-US" altLang="ko-KR" sz="1400" b="1" dirty="0" err="1">
-                  <a:solidFill>
-                    <a:schemeClr val="tx1">
-                      <a:lumMod val="75000"/>
-                      <a:lumOff val="25000"/>
-                    </a:schemeClr>
-                  </a:solidFill>
-                  <a:cs typeface="Arial" pitchFamily="34" charset="0"/>
-                </a:rPr>
-                <a:t>nghệ</a:t>
-              </a:r>
-              <a:r>
-                <a:rPr lang="en-US" altLang="ko-KR" sz="1400" b="1" dirty="0">
-                  <a:solidFill>
-                    <a:schemeClr val="tx1">
-                      <a:lumMod val="75000"/>
-                      <a:lumOff val="25000"/>
-                    </a:schemeClr>
-                  </a:solidFill>
-                  <a:cs typeface="Arial" pitchFamily="34" charset="0"/>
-                </a:rPr>
-                <a:t> </a:t>
-              </a:r>
-              <a:r>
-                <a:rPr lang="en-US" altLang="ko-KR" sz="1400" b="1" dirty="0" err="1">
-                  <a:solidFill>
-                    <a:schemeClr val="tx1">
-                      <a:lumMod val="75000"/>
-                      <a:lumOff val="25000"/>
-                    </a:schemeClr>
-                  </a:solidFill>
-                  <a:cs typeface="Arial" pitchFamily="34" charset="0"/>
-                </a:rPr>
-                <a:t>phát</a:t>
-              </a:r>
-              <a:r>
-                <a:rPr lang="en-US" altLang="ko-KR" sz="1400" b="1" dirty="0">
-                  <a:solidFill>
-                    <a:schemeClr val="tx1">
-                      <a:lumMod val="75000"/>
-                      <a:lumOff val="25000"/>
-                    </a:schemeClr>
-                  </a:solidFill>
-                  <a:cs typeface="Arial" pitchFamily="34" charset="0"/>
-                </a:rPr>
-                <a:t> </a:t>
-              </a:r>
-              <a:r>
-                <a:rPr lang="en-US" altLang="ko-KR" sz="1400" b="1" dirty="0" err="1">
-                  <a:solidFill>
-                    <a:schemeClr val="tx1">
-                      <a:lumMod val="75000"/>
-                      <a:lumOff val="25000"/>
-                    </a:schemeClr>
-                  </a:solidFill>
-                  <a:cs typeface="Arial" pitchFamily="34" charset="0"/>
-                </a:rPr>
-                <a:t>triển</a:t>
-              </a:r>
-              <a:endParaRPr lang="ko-KR" altLang="en-US" sz="1400" b="1" dirty="0">
+        </p:nvSpPr>
+        <p:spPr>
+          <a:xfrm>
+            <a:off x="3995857" y="1449492"/>
+            <a:ext cx="4392567" cy="307777"/>
+          </a:xfrm>
+          <a:prstGeom prst="rect">
+            <a:avLst/>
+          </a:prstGeom>
+          <a:noFill/>
+        </p:spPr>
+        <p:txBody>
+          <a:bodyPr wrap="square" rtlCol="0">
+            <a:spAutoFit/>
+          </a:bodyPr>
+          <a:lstStyle/>
+          <a:p>
+            <a:r>
+              <a:rPr lang="en-US" altLang="ko-KR" sz="1400" b="1" dirty="0" err="1">
                 <a:solidFill>
                   <a:schemeClr val="tx1">
                     <a:lumMod val="75000"/>
@@ -8266,45 +8169,11 @@
                   </a:schemeClr>
                 </a:solidFill>
                 <a:cs typeface="Arial" pitchFamily="34" charset="0"/>
-              </a:endParaRPr>
-            </a:p>
-          </p:txBody>
-        </p:sp>
-        <p:sp>
-          <p:nvSpPr>
-            <p:cNvPr id="31" name="TextBox 30"/>
-            <p:cNvSpPr txBox="1"/>
-            <p:nvPr/>
-          </p:nvSpPr>
-          <p:spPr>
-            <a:xfrm>
-              <a:off x="3851840" y="1625473"/>
-              <a:ext cx="4392568" cy="276999"/>
-            </a:xfrm>
-            <a:prstGeom prst="rect">
-              <a:avLst/>
-            </a:prstGeom>
-            <a:noFill/>
-          </p:spPr>
-          <p:txBody>
-            <a:bodyPr wrap="square" rtlCol="0">
-              <a:spAutoFit/>
-            </a:bodyPr>
-            <a:lstStyle/>
-            <a:p>
-              <a:r>
-                <a:rPr lang="en-US" altLang="ko-KR" sz="1200" dirty="0">
-                  <a:solidFill>
-                    <a:schemeClr val="tx1">
-                      <a:lumMod val="75000"/>
-                      <a:lumOff val="25000"/>
-                    </a:schemeClr>
-                  </a:solidFill>
-                  <a:cs typeface="Arial" pitchFamily="34" charset="0"/>
-                </a:rPr>
-                <a:t>You can simply impress your audience and add a unique zing. </a:t>
-              </a:r>
-              <a:endParaRPr lang="ko-KR" altLang="en-US" sz="1200" dirty="0">
+              </a:rPr>
+              <a:t>Công</a:t>
+            </a:r>
+            <a:r>
+              <a:rPr lang="en-US" altLang="ko-KR" sz="1400" b="1" dirty="0">
                 <a:solidFill>
                   <a:schemeClr val="tx1">
                     <a:lumMod val="75000"/>
@@ -8312,11 +8181,81 @@
                   </a:schemeClr>
                 </a:solidFill>
                 <a:cs typeface="Arial" pitchFamily="34" charset="0"/>
-              </a:endParaRPr>
-            </a:p>
-          </p:txBody>
-        </p:sp>
-      </p:grpSp>
+              </a:rPr>
+              <a:t> </a:t>
+            </a:r>
+            <a:r>
+              <a:rPr lang="en-US" altLang="ko-KR" sz="1400" b="1" dirty="0" err="1">
+                <a:solidFill>
+                  <a:schemeClr val="tx1">
+                    <a:lumMod val="75000"/>
+                    <a:lumOff val="25000"/>
+                  </a:schemeClr>
+                </a:solidFill>
+                <a:cs typeface="Arial" pitchFamily="34" charset="0"/>
+              </a:rPr>
+              <a:t>nghệ</a:t>
+            </a:r>
+            <a:r>
+              <a:rPr lang="en-US" altLang="ko-KR" sz="1400" b="1" dirty="0">
+                <a:solidFill>
+                  <a:schemeClr val="tx1">
+                    <a:lumMod val="75000"/>
+                    <a:lumOff val="25000"/>
+                  </a:schemeClr>
+                </a:solidFill>
+                <a:cs typeface="Arial" pitchFamily="34" charset="0"/>
+              </a:rPr>
+              <a:t> </a:t>
+            </a:r>
+            <a:r>
+              <a:rPr lang="en-US" altLang="ko-KR" sz="1400" b="1" dirty="0" err="1">
+                <a:solidFill>
+                  <a:schemeClr val="tx1">
+                    <a:lumMod val="75000"/>
+                    <a:lumOff val="25000"/>
+                  </a:schemeClr>
+                </a:solidFill>
+                <a:cs typeface="Arial" pitchFamily="34" charset="0"/>
+              </a:rPr>
+              <a:t>phát</a:t>
+            </a:r>
+            <a:r>
+              <a:rPr lang="en-US" altLang="ko-KR" sz="1400" b="1" dirty="0">
+                <a:solidFill>
+                  <a:schemeClr val="tx1">
+                    <a:lumMod val="75000"/>
+                    <a:lumOff val="25000"/>
+                  </a:schemeClr>
+                </a:solidFill>
+                <a:cs typeface="Arial" pitchFamily="34" charset="0"/>
+              </a:rPr>
+              <a:t> </a:t>
+            </a:r>
+            <a:r>
+              <a:rPr lang="en-US" altLang="ko-KR" sz="1400" b="1" dirty="0" err="1">
+                <a:solidFill>
+                  <a:schemeClr val="tx1">
+                    <a:lumMod val="75000"/>
+                    <a:lumOff val="25000"/>
+                  </a:schemeClr>
+                </a:solidFill>
+                <a:cs typeface="Arial" pitchFamily="34" charset="0"/>
+              </a:rPr>
+              <a:t>triển</a:t>
+            </a:r>
+            <a:endParaRPr lang="ko-KR" altLang="en-US" sz="1400" b="1" dirty="0">
+              <a:solidFill>
+                <a:schemeClr val="tx1">
+                  <a:lumMod val="75000"/>
+                  <a:lumOff val="25000"/>
+                </a:schemeClr>
+              </a:solidFill>
+              <a:cs typeface="Arial" pitchFamily="34" charset="0"/>
+            </a:endParaRPr>
+          </a:p>
+        </p:txBody>
+      </p:sp>
       <p:grpSp>
         <p:nvGrpSpPr>
           <p:cNvPr id="4" name="Group 3">
@@ -8508,199 +8447,30 @@
             </a:p>
           </p:txBody>
         </p:sp>
-        <p:grpSp>
-          <p:nvGrpSpPr>
-            <p:cNvPr id="36" name="Group 35"/>
-            <p:cNvGrpSpPr/>
+        <p:sp>
+          <p:nvSpPr>
+            <p:cNvPr id="37" name="TextBox 36"/>
+            <p:cNvSpPr txBox="1"/>
             <p:nvPr/>
-          </p:nvGrpSpPr>
-          <p:grpSpPr>
+          </p:nvSpPr>
+          <p:spPr>
             <a:xfrm>
-              <a:off x="3851840" y="2250553"/>
-              <a:ext cx="4392568" cy="546224"/>
-              <a:chOff x="3851840" y="1356248"/>
-              <a:chExt cx="4392568" cy="546224"/>
+              <a:off x="3851765" y="2341397"/>
+              <a:ext cx="4392567" cy="307777"/>
             </a:xfrm>
-          </p:grpSpPr>
-          <p:sp>
-            <p:nvSpPr>
-              <p:cNvPr id="37" name="TextBox 36"/>
-              <p:cNvSpPr txBox="1"/>
-              <p:nvPr/>
-            </p:nvSpPr>
-            <p:spPr>
-              <a:xfrm>
-                <a:off x="3851840" y="1356248"/>
-                <a:ext cx="4392567" cy="307777"/>
-              </a:xfrm>
-              <a:prstGeom prst="rect">
-                <a:avLst/>
-              </a:prstGeom>
-              <a:noFill/>
-            </p:spPr>
-            <p:txBody>
-              <a:bodyPr wrap="square" rtlCol="0">
-                <a:spAutoFit/>
-              </a:bodyPr>
-              <a:lstStyle/>
-              <a:p>
-                <a:r>
-                  <a:rPr lang="en-US" altLang="ko-KR" sz="1400" b="1" dirty="0" err="1">
-                    <a:solidFill>
-                      <a:schemeClr val="tx1">
-                        <a:lumMod val="75000"/>
-                        <a:lumOff val="25000"/>
-                      </a:schemeClr>
-                    </a:solidFill>
-                    <a:cs typeface="Arial" pitchFamily="34" charset="0"/>
-                  </a:rPr>
-                  <a:t>Nhu</a:t>
-                </a:r>
-                <a:r>
-                  <a:rPr lang="en-US" altLang="ko-KR" sz="1400" b="1" dirty="0">
-                    <a:solidFill>
-                      <a:schemeClr val="tx1">
-                        <a:lumMod val="75000"/>
-                        <a:lumOff val="25000"/>
-                      </a:schemeClr>
-                    </a:solidFill>
-                    <a:cs typeface="Arial" pitchFamily="34" charset="0"/>
-                  </a:rPr>
-                  <a:t> </a:t>
-                </a:r>
-                <a:r>
-                  <a:rPr lang="en-US" altLang="ko-KR" sz="1400" b="1" dirty="0" err="1">
-                    <a:solidFill>
-                      <a:schemeClr val="tx1">
-                        <a:lumMod val="75000"/>
-                        <a:lumOff val="25000"/>
-                      </a:schemeClr>
-                    </a:solidFill>
-                    <a:cs typeface="Arial" pitchFamily="34" charset="0"/>
-                  </a:rPr>
-                  <a:t>cầu</a:t>
-                </a:r>
-                <a:r>
-                  <a:rPr lang="en-US" altLang="ko-KR" sz="1400" b="1" dirty="0">
-                    <a:solidFill>
-                      <a:schemeClr val="tx1">
-                        <a:lumMod val="75000"/>
-                        <a:lumOff val="25000"/>
-                      </a:schemeClr>
-                    </a:solidFill>
-                    <a:cs typeface="Arial" pitchFamily="34" charset="0"/>
-                  </a:rPr>
-                  <a:t> </a:t>
-                </a:r>
-                <a:r>
-                  <a:rPr lang="en-US" altLang="ko-KR" sz="1400" b="1" dirty="0" err="1">
-                    <a:solidFill>
-                      <a:schemeClr val="tx1">
-                        <a:lumMod val="75000"/>
-                        <a:lumOff val="25000"/>
-                      </a:schemeClr>
-                    </a:solidFill>
-                    <a:cs typeface="Arial" pitchFamily="34" charset="0"/>
-                  </a:rPr>
-                  <a:t>mua</a:t>
-                </a:r>
-                <a:r>
-                  <a:rPr lang="en-US" altLang="ko-KR" sz="1400" b="1" dirty="0">
-                    <a:solidFill>
-                      <a:schemeClr val="tx1">
-                        <a:lumMod val="75000"/>
-                        <a:lumOff val="25000"/>
-                      </a:schemeClr>
-                    </a:solidFill>
-                    <a:cs typeface="Arial" pitchFamily="34" charset="0"/>
-                  </a:rPr>
-                  <a:t> </a:t>
-                </a:r>
-                <a:r>
-                  <a:rPr lang="en-US" altLang="ko-KR" sz="1400" b="1" dirty="0" err="1">
-                    <a:solidFill>
-                      <a:schemeClr val="tx1">
-                        <a:lumMod val="75000"/>
-                        <a:lumOff val="25000"/>
-                      </a:schemeClr>
-                    </a:solidFill>
-                    <a:cs typeface="Arial" pitchFamily="34" charset="0"/>
-                  </a:rPr>
-                  <a:t>hàng</a:t>
-                </a:r>
-                <a:r>
-                  <a:rPr lang="en-US" altLang="ko-KR" sz="1400" b="1" dirty="0">
-                    <a:solidFill>
-                      <a:schemeClr val="tx1">
-                        <a:lumMod val="75000"/>
-                        <a:lumOff val="25000"/>
-                      </a:schemeClr>
-                    </a:solidFill>
-                    <a:cs typeface="Arial" pitchFamily="34" charset="0"/>
-                  </a:rPr>
-                  <a:t> online </a:t>
-                </a:r>
-                <a:r>
-                  <a:rPr lang="en-US" altLang="ko-KR" sz="1400" b="1" dirty="0" err="1">
-                    <a:solidFill>
-                      <a:schemeClr val="tx1">
-                        <a:lumMod val="75000"/>
-                        <a:lumOff val="25000"/>
-                      </a:schemeClr>
-                    </a:solidFill>
-                    <a:cs typeface="Arial" pitchFamily="34" charset="0"/>
-                  </a:rPr>
-                  <a:t>ngày</a:t>
-                </a:r>
-                <a:r>
-                  <a:rPr lang="en-US" altLang="ko-KR" sz="1400" b="1" dirty="0">
-                    <a:solidFill>
-                      <a:schemeClr val="tx1">
-                        <a:lumMod val="75000"/>
-                        <a:lumOff val="25000"/>
-                      </a:schemeClr>
-                    </a:solidFill>
-                    <a:cs typeface="Arial" pitchFamily="34" charset="0"/>
-                  </a:rPr>
-                  <a:t> </a:t>
-                </a:r>
-                <a:r>
-                  <a:rPr lang="en-US" altLang="ko-KR" sz="1400" b="1" dirty="0" err="1">
-                    <a:solidFill>
-                      <a:schemeClr val="tx1">
-                        <a:lumMod val="75000"/>
-                        <a:lumOff val="25000"/>
-                      </a:schemeClr>
-                    </a:solidFill>
-                    <a:cs typeface="Arial" pitchFamily="34" charset="0"/>
-                  </a:rPr>
-                  <a:t>càng</a:t>
-                </a:r>
-                <a:r>
-                  <a:rPr lang="en-US" altLang="ko-KR" sz="1400" b="1" dirty="0">
-                    <a:solidFill>
-                      <a:schemeClr val="tx1">
-                        <a:lumMod val="75000"/>
-                        <a:lumOff val="25000"/>
-                      </a:schemeClr>
-                    </a:solidFill>
-                    <a:cs typeface="Arial" pitchFamily="34" charset="0"/>
-                  </a:rPr>
-                  <a:t> </a:t>
-                </a:r>
-                <a:r>
-                  <a:rPr lang="en-US" altLang="ko-KR" sz="1400" b="1" dirty="0" err="1">
-                    <a:solidFill>
-                      <a:schemeClr val="tx1">
-                        <a:lumMod val="75000"/>
-                        <a:lumOff val="25000"/>
-                      </a:schemeClr>
-                    </a:solidFill>
-                    <a:cs typeface="Arial" pitchFamily="34" charset="0"/>
-                  </a:rPr>
-                  <a:t>tăng</a:t>
-                </a:r>
-                <a:endParaRPr lang="ko-KR" altLang="en-US" sz="1400" b="1" dirty="0">
+            <a:prstGeom prst="rect">
+              <a:avLst/>
+            </a:prstGeom>
+            <a:noFill/>
+          </p:spPr>
+          <p:txBody>
+            <a:bodyPr wrap="square" rtlCol="0">
+              <a:spAutoFit/>
+            </a:bodyPr>
+            <a:lstStyle/>
+            <a:p>
+              <a:r>
+                <a:rPr lang="en-US" altLang="ko-KR" sz="1400" b="1" dirty="0" err="1">
                   <a:solidFill>
                     <a:schemeClr val="tx1">
                       <a:lumMod val="75000"/>
@@ -8708,45 +8478,11 @@
                     </a:schemeClr>
                   </a:solidFill>
                   <a:cs typeface="Arial" pitchFamily="34" charset="0"/>
-                </a:endParaRPr>
-              </a:p>
-            </p:txBody>
-          </p:sp>
-          <p:sp>
-            <p:nvSpPr>
-              <p:cNvPr id="38" name="TextBox 37"/>
-              <p:cNvSpPr txBox="1"/>
-              <p:nvPr/>
-            </p:nvSpPr>
-            <p:spPr>
-              <a:xfrm>
-                <a:off x="3851840" y="1625473"/>
-                <a:ext cx="4392568" cy="276999"/>
-              </a:xfrm>
-              <a:prstGeom prst="rect">
-                <a:avLst/>
-              </a:prstGeom>
-              <a:noFill/>
-            </p:spPr>
-            <p:txBody>
-              <a:bodyPr wrap="square" rtlCol="0">
-                <a:spAutoFit/>
-              </a:bodyPr>
-              <a:lstStyle/>
-              <a:p>
-                <a:r>
-                  <a:rPr lang="en-US" altLang="ko-KR" sz="1200" dirty="0">
-                    <a:solidFill>
-                      <a:schemeClr val="tx1">
-                        <a:lumMod val="75000"/>
-                        <a:lumOff val="25000"/>
-                      </a:schemeClr>
-                    </a:solidFill>
-                    <a:cs typeface="Arial" pitchFamily="34" charset="0"/>
-                  </a:rPr>
-                  <a:t>You can simply impress your audience and add a unique zing. </a:t>
-                </a:r>
-                <a:endParaRPr lang="ko-KR" altLang="en-US" sz="1200" dirty="0">
+                </a:rPr>
+                <a:t>Nhu</a:t>
+              </a:r>
+              <a:r>
+                <a:rPr lang="en-US" altLang="ko-KR" sz="1400" b="1" dirty="0">
                   <a:solidFill>
                     <a:schemeClr val="tx1">
                       <a:lumMod val="75000"/>
@@ -8754,11 +8490,153 @@
                     </a:schemeClr>
                   </a:solidFill>
                   <a:cs typeface="Arial" pitchFamily="34" charset="0"/>
-                </a:endParaRPr>
-              </a:p>
-            </p:txBody>
-          </p:sp>
-        </p:grpSp>
+                </a:rPr>
+                <a:t> </a:t>
+              </a:r>
+              <a:r>
+                <a:rPr lang="en-US" altLang="ko-KR" sz="1400" b="1" dirty="0" err="1">
+                  <a:solidFill>
+                    <a:schemeClr val="tx1">
+                      <a:lumMod val="75000"/>
+                      <a:lumOff val="25000"/>
+                    </a:schemeClr>
+                  </a:solidFill>
+                  <a:cs typeface="Arial" pitchFamily="34" charset="0"/>
+                </a:rPr>
+                <a:t>cầu</a:t>
+              </a:r>
+              <a:r>
+                <a:rPr lang="en-US" altLang="ko-KR" sz="1400" b="1" dirty="0">
+                  <a:solidFill>
+                    <a:schemeClr val="tx1">
+                      <a:lumMod val="75000"/>
+                      <a:lumOff val="25000"/>
+                    </a:schemeClr>
+                  </a:solidFill>
+                  <a:cs typeface="Arial" pitchFamily="34" charset="0"/>
+                </a:rPr>
+                <a:t> </a:t>
+              </a:r>
+              <a:r>
+                <a:rPr lang="en-US" altLang="ko-KR" sz="1400" b="1" dirty="0" err="1">
+                  <a:solidFill>
+                    <a:schemeClr val="tx1">
+                      <a:lumMod val="75000"/>
+                      <a:lumOff val="25000"/>
+                    </a:schemeClr>
+                  </a:solidFill>
+                  <a:cs typeface="Arial" pitchFamily="34" charset="0"/>
+                </a:rPr>
+                <a:t>mua</a:t>
+              </a:r>
+              <a:r>
+                <a:rPr lang="en-US" altLang="ko-KR" sz="1400" b="1" dirty="0">
+                  <a:solidFill>
+                    <a:schemeClr val="tx1">
+                      <a:lumMod val="75000"/>
+                      <a:lumOff val="25000"/>
+                    </a:schemeClr>
+                  </a:solidFill>
+                  <a:cs typeface="Arial" pitchFamily="34" charset="0"/>
+                </a:rPr>
+                <a:t> </a:t>
+              </a:r>
+              <a:r>
+                <a:rPr lang="en-US" altLang="ko-KR" sz="1400" b="1" dirty="0" err="1">
+                  <a:solidFill>
+                    <a:schemeClr val="tx1">
+                      <a:lumMod val="75000"/>
+                      <a:lumOff val="25000"/>
+                    </a:schemeClr>
+                  </a:solidFill>
+                  <a:cs typeface="Arial" pitchFamily="34" charset="0"/>
+                </a:rPr>
+                <a:t>hàng</a:t>
+              </a:r>
+              <a:r>
+                <a:rPr lang="en-US" altLang="ko-KR" sz="1400" b="1" dirty="0">
+                  <a:solidFill>
+                    <a:schemeClr val="tx1">
+                      <a:lumMod val="75000"/>
+                      <a:lumOff val="25000"/>
+                    </a:schemeClr>
+                  </a:solidFill>
+                  <a:cs typeface="Arial" pitchFamily="34" charset="0"/>
+                </a:rPr>
+                <a:t> online </a:t>
+              </a:r>
+              <a:r>
+                <a:rPr lang="en-US" altLang="ko-KR" sz="1400" b="1" dirty="0" err="1">
+                  <a:solidFill>
+                    <a:schemeClr val="tx1">
+                      <a:lumMod val="75000"/>
+                      <a:lumOff val="25000"/>
+                    </a:schemeClr>
+                  </a:solidFill>
+                  <a:cs typeface="Arial" pitchFamily="34" charset="0"/>
+                </a:rPr>
+                <a:t>ngày</a:t>
+              </a:r>
+              <a:r>
+                <a:rPr lang="en-US" altLang="ko-KR" sz="1400" b="1" dirty="0">
+                  <a:solidFill>
+                    <a:schemeClr val="tx1">
+                      <a:lumMod val="75000"/>
+                      <a:lumOff val="25000"/>
+                    </a:schemeClr>
+                  </a:solidFill>
+                  <a:cs typeface="Arial" pitchFamily="34" charset="0"/>
+                </a:rPr>
+                <a:t> </a:t>
+              </a:r>
+              <a:r>
+                <a:rPr lang="en-US" altLang="ko-KR" sz="1400" b="1" dirty="0" err="1">
+                  <a:solidFill>
+                    <a:schemeClr val="tx1">
+                      <a:lumMod val="75000"/>
+                      <a:lumOff val="25000"/>
+                    </a:schemeClr>
+                  </a:solidFill>
+                  <a:cs typeface="Arial" pitchFamily="34" charset="0"/>
+                </a:rPr>
+                <a:t>càng</a:t>
+              </a:r>
+              <a:r>
+                <a:rPr lang="en-US" altLang="ko-KR" sz="1400" b="1" dirty="0">
+                  <a:solidFill>
+                    <a:schemeClr val="tx1">
+                      <a:lumMod val="75000"/>
+                      <a:lumOff val="25000"/>
+                    </a:schemeClr>
+                  </a:solidFill>
+                  <a:cs typeface="Arial" pitchFamily="34" charset="0"/>
+                </a:rPr>
+                <a:t> </a:t>
+              </a:r>
+              <a:r>
+                <a:rPr lang="en-US" altLang="ko-KR" sz="1400" b="1" dirty="0" err="1">
+                  <a:solidFill>
+                    <a:schemeClr val="tx1">
+                      <a:lumMod val="75000"/>
+                      <a:lumOff val="25000"/>
+                    </a:schemeClr>
+                  </a:solidFill>
+                  <a:cs typeface="Arial" pitchFamily="34" charset="0"/>
+                </a:rPr>
+                <a:t>tăng</a:t>
+              </a:r>
+              <a:endParaRPr lang="ko-KR" altLang="en-US" sz="1400" b="1" dirty="0">
+                <a:solidFill>
+                  <a:schemeClr val="tx1">
+                    <a:lumMod val="75000"/>
+                    <a:lumOff val="25000"/>
+                  </a:schemeClr>
+                </a:solidFill>
+                <a:cs typeface="Arial" pitchFamily="34" charset="0"/>
+              </a:endParaRPr>
+            </a:p>
+          </p:txBody>
+        </p:sp>
       </p:grpSp>
       <p:grpSp>
         <p:nvGrpSpPr>
@@ -9272,13 +9150,13 @@
   <p:clrMapOvr>
     <a:masterClrMapping/>
   </p:clrMapOvr>
-  <mc:AlternateContent xmlns:mc="http://schemas.openxmlformats.org/markup-compatibility/2006">
-    <mc:Choice xmlns:p159="http://schemas.microsoft.com/office/powerpoint/2015/09/main" Requires="p159">
+  <mc:AlternateContent xmlns:mc="http://schemas.openxmlformats.org/markup-compatibility/2006" xmlns:p159="http://schemas.microsoft.com/office/powerpoint/2015/09/main">
+    <mc:Choice Requires="p159">
       <p:transition xmlns:p14="http://schemas.microsoft.com/office/powerpoint/2010/main" spd="slow" p14:dur="2000">
         <p159:morph option="byObject"/>
       </p:transition>
     </mc:Choice>
-    <mc:Fallback>
+    <mc:Fallback xmlns="">
       <p:transition spd="slow">
         <p:fade/>
       </p:transition>
@@ -9856,13 +9734,13 @@
   <p:clrMapOvr>
     <a:masterClrMapping/>
   </p:clrMapOvr>
-  <mc:AlternateContent xmlns:mc="http://schemas.openxmlformats.org/markup-compatibility/2006">
-    <mc:Choice xmlns:p159="http://schemas.microsoft.com/office/powerpoint/2015/09/main" Requires="p159">
+  <mc:AlternateContent xmlns:mc="http://schemas.openxmlformats.org/markup-compatibility/2006" xmlns:p159="http://schemas.microsoft.com/office/powerpoint/2015/09/main">
+    <mc:Choice Requires="p159">
       <p:transition xmlns:p14="http://schemas.microsoft.com/office/powerpoint/2010/main" spd="slow" p14:dur="2000">
         <p159:morph option="byObject"/>
       </p:transition>
     </mc:Choice>
-    <mc:Fallback>
+    <mc:Fallback xmlns="">
       <p:transition spd="slow">
         <p:fade/>
       </p:transition>
@@ -11405,13 +11283,13 @@
   <p:clrMapOvr>
     <a:masterClrMapping/>
   </p:clrMapOvr>
-  <mc:AlternateContent xmlns:mc="http://schemas.openxmlformats.org/markup-compatibility/2006">
-    <mc:Choice xmlns:p159="http://schemas.microsoft.com/office/powerpoint/2015/09/main" Requires="p159">
+  <mc:AlternateContent xmlns:mc="http://schemas.openxmlformats.org/markup-compatibility/2006" xmlns:p159="http://schemas.microsoft.com/office/powerpoint/2015/09/main">
+    <mc:Choice Requires="p159">
       <p:transition xmlns:p14="http://schemas.microsoft.com/office/powerpoint/2010/main" spd="slow" p14:dur="2000">
         <p159:morph option="byObject"/>
       </p:transition>
     </mc:Choice>
-    <mc:Fallback>
+    <mc:Fallback xmlns="">
       <p:transition spd="slow">
         <p:fade/>
       </p:transition>
@@ -12165,13 +12043,13 @@
   <p:clrMapOvr>
     <a:masterClrMapping/>
   </p:clrMapOvr>
-  <mc:AlternateContent xmlns:mc="http://schemas.openxmlformats.org/markup-compatibility/2006">
-    <mc:Choice xmlns:p159="http://schemas.microsoft.com/office/powerpoint/2015/09/main" Requires="p159">
+  <mc:AlternateContent xmlns:mc="http://schemas.openxmlformats.org/markup-compatibility/2006" xmlns:p159="http://schemas.microsoft.com/office/powerpoint/2015/09/main">
+    <mc:Choice Requires="p159">
       <p:transition xmlns:p14="http://schemas.microsoft.com/office/powerpoint/2010/main" spd="slow" p14:dur="2000">
         <p159:morph option="byObject"/>
       </p:transition>
     </mc:Choice>
-    <mc:Fallback>
+    <mc:Fallback xmlns="">
       <p:transition spd="slow">
         <p:fade/>
       </p:transition>
@@ -13021,13 +12899,13 @@
   <p:clrMapOvr>
     <a:masterClrMapping/>
   </p:clrMapOvr>
-  <mc:AlternateContent xmlns:mc="http://schemas.openxmlformats.org/markup-compatibility/2006">
-    <mc:Choice xmlns:p159="http://schemas.microsoft.com/office/powerpoint/2015/09/main" Requires="p159">
+  <mc:AlternateContent xmlns:mc="http://schemas.openxmlformats.org/markup-compatibility/2006" xmlns:p159="http://schemas.microsoft.com/office/powerpoint/2015/09/main">
+    <mc:Choice Requires="p159">
       <p:transition xmlns:p14="http://schemas.microsoft.com/office/powerpoint/2010/main" spd="slow" p14:dur="2000">
         <p159:morph option="byObject"/>
       </p:transition>
     </mc:Choice>
-    <mc:Fallback>
+    <mc:Fallback xmlns="">
       <p:transition spd="slow">
         <p:fade/>
       </p:transition>
@@ -13969,13 +13847,13 @@
   <p:clrMapOvr>
     <a:masterClrMapping/>
   </p:clrMapOvr>
-  <mc:AlternateContent xmlns:mc="http://schemas.openxmlformats.org/markup-compatibility/2006">
-    <mc:Choice xmlns:p159="http://schemas.microsoft.com/office/powerpoint/2015/09/main" Requires="p159">
+  <mc:AlternateContent xmlns:mc="http://schemas.openxmlformats.org/markup-compatibility/2006" xmlns:p159="http://schemas.microsoft.com/office/powerpoint/2015/09/main">
+    <mc:Choice Requires="p159">
       <p:transition xmlns:p14="http://schemas.microsoft.com/office/powerpoint/2010/main" spd="slow" p14:dur="2000">
         <p159:morph option="byObject"/>
       </p:transition>
     </mc:Choice>
-    <mc:Fallback>
+    <mc:Fallback xmlns="">
       <p:transition spd="slow">
         <p:fade/>
       </p:transition>
@@ -15231,13 +15109,13 @@
   <p:clrMapOvr>
     <a:masterClrMapping/>
   </p:clrMapOvr>
-  <mc:AlternateContent xmlns:mc="http://schemas.openxmlformats.org/markup-compatibility/2006">
-    <mc:Choice xmlns:p159="http://schemas.microsoft.com/office/powerpoint/2015/09/main" Requires="p159">
+  <mc:AlternateContent xmlns:mc="http://schemas.openxmlformats.org/markup-compatibility/2006" xmlns:p159="http://schemas.microsoft.com/office/powerpoint/2015/09/main">
+    <mc:Choice Requires="p159">
       <p:transition xmlns:p14="http://schemas.microsoft.com/office/powerpoint/2010/main" spd="slow" p14:dur="2000">
         <p159:morph option="byObject"/>
       </p:transition>
     </mc:Choice>
-    <mc:Fallback>
+    <mc:Fallback xmlns="">
       <p:transition spd="slow">
         <p:fade/>
       </p:transition>
@@ -15352,13 +15230,13 @@
   <p:clrMapOvr>
     <a:masterClrMapping/>
   </p:clrMapOvr>
-  <mc:AlternateContent xmlns:mc="http://schemas.openxmlformats.org/markup-compatibility/2006">
-    <mc:Choice xmlns:p159="http://schemas.microsoft.com/office/powerpoint/2015/09/main" Requires="p159">
+  <mc:AlternateContent xmlns:mc="http://schemas.openxmlformats.org/markup-compatibility/2006" xmlns:p159="http://schemas.microsoft.com/office/powerpoint/2015/09/main">
+    <mc:Choice Requires="p159">
       <p:transition xmlns:p14="http://schemas.microsoft.com/office/powerpoint/2010/main" spd="slow" p14:dur="2000">
         <p159:morph option="byObject"/>
       </p:transition>
     </mc:Choice>
-    <mc:Fallback>
+    <mc:Fallback xmlns="">
       <p:transition spd="slow">
         <p:fade/>
       </p:transition>

--- a/document/thuyết trình.pptx
+++ b/document/thuyết trình.pptx
@@ -14047,7 +14047,7 @@
                 <a:latin typeface="+mj-lt"/>
                 <a:cs typeface="Arial" pitchFamily="34" charset="0"/>
               </a:rPr>
-              <a:t>Nhân</a:t>
+              <a:t>Quản</a:t>
             </a:r>
             <a:r>
               <a:rPr lang="en-US" altLang="ko-KR" sz="2800" b="1" dirty="0">
@@ -14067,7 +14067,7 @@
                 <a:latin typeface="+mj-lt"/>
                 <a:cs typeface="Arial" pitchFamily="34" charset="0"/>
               </a:rPr>
-              <a:t>viên</a:t>
+              <a:t>Lý</a:t>
             </a:r>
             <a:endParaRPr lang="ko-KR" altLang="en-US" sz="2800" b="1" dirty="0">
               <a:solidFill>
